--- a/PFE-CEGEFOS-groupe2.pptx
+++ b/PFE-CEGEFOS-groupe2.pptx
@@ -12,8 +12,9 @@
     <p:sldId id="260" r:id="rId6"/>
     <p:sldId id="261" r:id="rId7"/>
     <p:sldId id="262" r:id="rId8"/>
-    <p:sldId id="264" r:id="rId9"/>
-    <p:sldId id="263" r:id="rId10"/>
+    <p:sldId id="265" r:id="rId9"/>
+    <p:sldId id="264" r:id="rId10"/>
+    <p:sldId id="263" r:id="rId11"/>
   </p:sldIdLst>
   <p:sldSz cx="12192000" cy="6858000"/>
   <p:notesSz cx="6858000" cy="9144000"/>
@@ -112,6 +113,11 @@
       </a:defRPr>
     </a:lvl9pPr>
   </p:defaultTextStyle>
+  <p:extLst>
+    <p:ext uri="{EFAFB233-063F-42B5-8137-9DF3F51BA10A}">
+      <p15:sldGuideLst xmlns:p15="http://schemas.microsoft.com/office/powerpoint/2012/main"/>
+    </p:ext>
+  </p:extLst>
 </p:presentation>
 </file>
 
@@ -246,7 +252,7 @@
           <a:p>
             <a:fld id="{38E71762-FFDE-4483-831E-480072CD70C0}" type="datetimeFigureOut">
               <a:rPr lang="fr-FR" smtClean="0"/>
-              <a:t>16/06/2019</a:t>
+              <a:t>23/06/2019</a:t>
             </a:fld>
             <a:endParaRPr lang="fr-FR"/>
           </a:p>
@@ -416,7 +422,7 @@
           <a:p>
             <a:fld id="{38E71762-FFDE-4483-831E-480072CD70C0}" type="datetimeFigureOut">
               <a:rPr lang="fr-FR" smtClean="0"/>
-              <a:t>16/06/2019</a:t>
+              <a:t>23/06/2019</a:t>
             </a:fld>
             <a:endParaRPr lang="fr-FR"/>
           </a:p>
@@ -596,7 +602,7 @@
           <a:p>
             <a:fld id="{38E71762-FFDE-4483-831E-480072CD70C0}" type="datetimeFigureOut">
               <a:rPr lang="fr-FR" smtClean="0"/>
-              <a:t>16/06/2019</a:t>
+              <a:t>23/06/2019</a:t>
             </a:fld>
             <a:endParaRPr lang="fr-FR"/>
           </a:p>
@@ -766,7 +772,7 @@
           <a:p>
             <a:fld id="{38E71762-FFDE-4483-831E-480072CD70C0}" type="datetimeFigureOut">
               <a:rPr lang="fr-FR" smtClean="0"/>
-              <a:t>16/06/2019</a:t>
+              <a:t>23/06/2019</a:t>
             </a:fld>
             <a:endParaRPr lang="fr-FR"/>
           </a:p>
@@ -1012,7 +1018,7 @@
           <a:p>
             <a:fld id="{38E71762-FFDE-4483-831E-480072CD70C0}" type="datetimeFigureOut">
               <a:rPr lang="fr-FR" smtClean="0"/>
-              <a:t>16/06/2019</a:t>
+              <a:t>23/06/2019</a:t>
             </a:fld>
             <a:endParaRPr lang="fr-FR"/>
           </a:p>
@@ -1244,7 +1250,7 @@
           <a:p>
             <a:fld id="{38E71762-FFDE-4483-831E-480072CD70C0}" type="datetimeFigureOut">
               <a:rPr lang="fr-FR" smtClean="0"/>
-              <a:t>16/06/2019</a:t>
+              <a:t>23/06/2019</a:t>
             </a:fld>
             <a:endParaRPr lang="fr-FR"/>
           </a:p>
@@ -1611,7 +1617,7 @@
           <a:p>
             <a:fld id="{38E71762-FFDE-4483-831E-480072CD70C0}" type="datetimeFigureOut">
               <a:rPr lang="fr-FR" smtClean="0"/>
-              <a:t>16/06/2019</a:t>
+              <a:t>23/06/2019</a:t>
             </a:fld>
             <a:endParaRPr lang="fr-FR"/>
           </a:p>
@@ -1729,7 +1735,7 @@
           <a:p>
             <a:fld id="{38E71762-FFDE-4483-831E-480072CD70C0}" type="datetimeFigureOut">
               <a:rPr lang="fr-FR" smtClean="0"/>
-              <a:t>16/06/2019</a:t>
+              <a:t>23/06/2019</a:t>
             </a:fld>
             <a:endParaRPr lang="fr-FR"/>
           </a:p>
@@ -1824,7 +1830,7 @@
           <a:p>
             <a:fld id="{38E71762-FFDE-4483-831E-480072CD70C0}" type="datetimeFigureOut">
               <a:rPr lang="fr-FR" smtClean="0"/>
-              <a:t>16/06/2019</a:t>
+              <a:t>23/06/2019</a:t>
             </a:fld>
             <a:endParaRPr lang="fr-FR"/>
           </a:p>
@@ -2101,7 +2107,7 @@
           <a:p>
             <a:fld id="{38E71762-FFDE-4483-831E-480072CD70C0}" type="datetimeFigureOut">
               <a:rPr lang="fr-FR" smtClean="0"/>
-              <a:t>16/06/2019</a:t>
+              <a:t>23/06/2019</a:t>
             </a:fld>
             <a:endParaRPr lang="fr-FR"/>
           </a:p>
@@ -2354,7 +2360,7 @@
           <a:p>
             <a:fld id="{38E71762-FFDE-4483-831E-480072CD70C0}" type="datetimeFigureOut">
               <a:rPr lang="fr-FR" smtClean="0"/>
-              <a:t>16/06/2019</a:t>
+              <a:t>23/06/2019</a:t>
             </a:fld>
             <a:endParaRPr lang="fr-FR"/>
           </a:p>
@@ -2567,7 +2573,7 @@
           <a:p>
             <a:fld id="{38E71762-FFDE-4483-831E-480072CD70C0}" type="datetimeFigureOut">
               <a:rPr lang="fr-FR" smtClean="0"/>
-              <a:t>16/06/2019</a:t>
+              <a:t>23/06/2019</a:t>
             </a:fld>
             <a:endParaRPr lang="fr-FR"/>
           </a:p>
@@ -3031,6 +3037,121 @@
 </p:sld>
 </file>
 
+<file path=ppt/slides/slide10.xml><?xml version="1.0" encoding="utf-8"?>
+<p:sld xmlns:a="http://schemas.openxmlformats.org/drawingml/2006/main" xmlns:r="http://schemas.openxmlformats.org/officeDocument/2006/relationships" xmlns:p="http://schemas.openxmlformats.org/presentationml/2006/main">
+  <p:cSld>
+    <p:spTree>
+      <p:nvGrpSpPr>
+        <p:cNvPr id="1" name=""/>
+        <p:cNvGrpSpPr/>
+        <p:nvPr/>
+      </p:nvGrpSpPr>
+      <p:grpSpPr>
+        <a:xfrm>
+          <a:off x="0" y="0"/>
+          <a:ext cx="0" cy="0"/>
+          <a:chOff x="0" y="0"/>
+          <a:chExt cx="0" cy="0"/>
+        </a:xfrm>
+      </p:grpSpPr>
+      <p:sp>
+        <p:nvSpPr>
+          <p:cNvPr id="2" name="Titre 1"/>
+          <p:cNvSpPr>
+            <a:spLocks noGrp="1"/>
+          </p:cNvSpPr>
+          <p:nvPr>
+            <p:ph type="title"/>
+          </p:nvPr>
+        </p:nvSpPr>
+        <p:spPr/>
+        <p:txBody>
+          <a:bodyPr/>
+          <a:lstStyle/>
+          <a:p>
+            <a:r>
+              <a:rPr lang="fr-FR" smtClean="0"/>
+              <a:t>Appendix – </a:t>
+            </a:r>
+            <a:r>
+              <a:rPr lang="fr-FR" smtClean="0"/>
+              <a:t>1.1</a:t>
+            </a:r>
+            <a:endParaRPr lang="fr-FR"/>
+          </a:p>
+        </p:txBody>
+      </p:sp>
+      <p:sp>
+        <p:nvSpPr>
+          <p:cNvPr id="3" name="Espace réservé du contenu 2"/>
+          <p:cNvSpPr>
+            <a:spLocks noGrp="1"/>
+          </p:cNvSpPr>
+          <p:nvPr>
+            <p:ph idx="1"/>
+          </p:nvPr>
+        </p:nvSpPr>
+        <p:spPr/>
+        <p:txBody>
+          <a:bodyPr/>
+          <a:lstStyle/>
+          <a:p>
+            <a:pPr marL="0" indent="0">
+              <a:buNone/>
+            </a:pPr>
+            <a:r>
+              <a:rPr lang="fr-FR" smtClean="0"/>
+              <a:t>Script Scala/Spark tournant via la commande </a:t>
+            </a:r>
+          </a:p>
+          <a:p>
+            <a:pPr marL="0" indent="0">
+              <a:buNone/>
+            </a:pPr>
+            <a:r>
+              <a:rPr lang="fr-FR" smtClean="0"/>
+              <a:t>spark-submit xxxxxxxx</a:t>
+            </a:r>
+          </a:p>
+          <a:p>
+            <a:pPr marL="0" indent="0">
+              <a:buNone/>
+            </a:pPr>
+            <a:endParaRPr lang="fr-FR"/>
+          </a:p>
+          <a:p>
+            <a:pPr marL="0" indent="0">
+              <a:buNone/>
+            </a:pPr>
+            <a:r>
+              <a:rPr lang="fr-FR" smtClean="0"/>
+              <a:t>Le script est lancé via la commande Oozie :</a:t>
+            </a:r>
+          </a:p>
+          <a:p>
+            <a:pPr marL="0" indent="0">
+              <a:buNone/>
+            </a:pPr>
+            <a:r>
+              <a:rPr lang="en-US" sz="1400" smtClean="0"/>
+              <a:t>oozie job --oozie http://your_host:11000/oozie -config cluster_conf.xml -run</a:t>
+            </a:r>
+          </a:p>
+        </p:txBody>
+      </p:sp>
+    </p:spTree>
+    <p:extLst>
+      <p:ext uri="{BB962C8B-B14F-4D97-AF65-F5344CB8AC3E}">
+        <p14:creationId xmlns:p14="http://schemas.microsoft.com/office/powerpoint/2010/main" val="610204323"/>
+      </p:ext>
+    </p:extLst>
+  </p:cSld>
+  <p:clrMapOvr>
+    <a:masterClrMapping/>
+  </p:clrMapOvr>
+</p:sld>
+</file>
+
 <file path=ppt/slides/slide2.xml><?xml version="1.0" encoding="utf-8"?>
 <p:sld xmlns:a="http://schemas.openxmlformats.org/drawingml/2006/main" xmlns:r="http://schemas.openxmlformats.org/officeDocument/2006/relationships" xmlns:p="http://schemas.openxmlformats.org/presentationml/2006/main">
   <p:cSld>
@@ -3084,7 +3205,7 @@
         <p:spPr/>
         <p:txBody>
           <a:bodyPr>
-            <a:normAutofit fontScale="77500" lnSpcReduction="20000"/>
+            <a:normAutofit fontScale="47500" lnSpcReduction="20000"/>
           </a:bodyPr>
           <a:lstStyle/>
           <a:p>
@@ -3117,14 +3238,22 @@
             </a:pPr>
             <a:r>
               <a:rPr lang="fr-FR" smtClean="0"/>
-              <a:t>/data/raw/&lt;dataname&gt;/public/current</a:t>
-            </a:r>
+              <a:t>/data/raw/&lt;dataname&gt;/</a:t>
+            </a:r>
+            <a:r>
+              <a:rPr lang="fr-FR" smtClean="0"/>
+              <a:t>public/current</a:t>
+            </a:r>
+            <a:endParaRPr lang="fr-FR"/>
           </a:p>
           <a:p>
             <a:pPr marL="0" indent="0">
               <a:buNone/>
             </a:pPr>
-            <a:endParaRPr lang="fr-FR"/>
+            <a:r>
+              <a:rPr lang="fr-FR" smtClean="0"/>
+              <a:t>/data/raw/&lt;dataname&gt;/private/&lt;version&gt;</a:t>
+            </a:r>
           </a:p>
           <a:p>
             <a:pPr marL="0" indent="0">
@@ -3132,16 +3261,81 @@
             </a:pPr>
             <a:r>
               <a:rPr lang="fr-FR" smtClean="0"/>
-              <a:t>/data/raw/&lt;dataname&gt;/private/&lt;version&gt;</a:t>
+              <a:t>/data/raw/&lt;dataname&gt;/private/current</a:t>
             </a:r>
           </a:p>
           <a:p>
             <a:pPr marL="0" indent="0">
               <a:buNone/>
             </a:pPr>
-            <a:r>
-              <a:rPr lang="fr-FR" smtClean="0"/>
-              <a:t>/data/raw/&lt;dataname&gt;/private/current</a:t>
+            <a:endParaRPr lang="fr-FR" smtClean="0"/>
+          </a:p>
+          <a:p>
+            <a:pPr marL="0" indent="0">
+              <a:buNone/>
+            </a:pPr>
+            <a:r>
+              <a:rPr lang="fr-FR"/>
+              <a:t>/</a:t>
+            </a:r>
+            <a:r>
+              <a:rPr lang="fr-FR" smtClean="0"/>
+              <a:t>data/app/&lt;</a:t>
+            </a:r>
+            <a:r>
+              <a:rPr lang="fr-FR"/>
+              <a:t>dataname&gt;/public/&lt;version&gt;</a:t>
+            </a:r>
+          </a:p>
+          <a:p>
+            <a:pPr marL="0" indent="0">
+              <a:buNone/>
+            </a:pPr>
+            <a:r>
+              <a:rPr lang="fr-FR"/>
+              <a:t>/</a:t>
+            </a:r>
+            <a:r>
+              <a:rPr lang="fr-FR" smtClean="0"/>
+              <a:t>data/app/&lt;</a:t>
+            </a:r>
+            <a:r>
+              <a:rPr lang="fr-FR"/>
+              <a:t>dataname&gt;/public/current</a:t>
+            </a:r>
+          </a:p>
+          <a:p>
+            <a:pPr marL="0" indent="0">
+              <a:buNone/>
+            </a:pPr>
+            <a:r>
+              <a:rPr lang="fr-FR"/>
+              <a:t>/</a:t>
+            </a:r>
+            <a:r>
+              <a:rPr lang="fr-FR" smtClean="0"/>
+              <a:t>data/app/&lt;</a:t>
+            </a:r>
+            <a:r>
+              <a:rPr lang="fr-FR"/>
+              <a:t>dataname&gt;/private/&lt;version&gt;</a:t>
+            </a:r>
+          </a:p>
+          <a:p>
+            <a:pPr marL="0" indent="0">
+              <a:buNone/>
+            </a:pPr>
+            <a:r>
+              <a:rPr lang="fr-FR"/>
+              <a:t>/</a:t>
+            </a:r>
+            <a:r>
+              <a:rPr lang="fr-FR" smtClean="0"/>
+              <a:t>data/app/&lt;</a:t>
+            </a:r>
+            <a:r>
+              <a:rPr lang="fr-FR"/>
+              <a:t>dataname&gt;/private/current</a:t>
             </a:r>
           </a:p>
           <a:p>
@@ -3367,7 +3561,15 @@
             </a:pPr>
             <a:r>
               <a:rPr lang="fr-FR" smtClean="0"/>
-              <a:t>Les types de fichiers qui seront utilisés ici seront principalement :</a:t>
+              <a:t>Les types de fichiers </a:t>
+            </a:r>
+            <a:r>
+              <a:rPr lang="fr-FR" smtClean="0"/>
+              <a:t>de données qui </a:t>
+            </a:r>
+            <a:r>
+              <a:rPr lang="fr-FR" smtClean="0"/>
+              <a:t>seront utilisés ici seront principalement :</a:t>
             </a:r>
           </a:p>
           <a:p>
@@ -3596,8 +3798,13 @@
             </a:r>
             <a:r>
               <a:rPr lang="fr-FR" smtClean="0"/>
-              <a:t>- Spark/Scala</a:t>
-            </a:r>
+              <a:t>- </a:t>
+            </a:r>
+            <a:r>
+              <a:rPr lang="fr-FR" smtClean="0"/>
+              <a:t>Scala/Spark</a:t>
+            </a:r>
+            <a:endParaRPr lang="fr-FR" smtClean="0"/>
           </a:p>
           <a:p>
             <a:pPr marL="0" indent="0">
@@ -3734,11 +3941,7 @@
             <a:pPr lvl="1"/>
             <a:r>
               <a:rPr lang="fr-FR" smtClean="0"/>
-              <a:t>Une version pourrait être : </a:t>
-            </a:r>
-            <a:r>
-              <a:rPr lang="fr-FR" smtClean="0"/>
-              <a:t>/data/raw/JO/public/20190616/2018-summer/</a:t>
+              <a:t>Une version pourrait être : /data/raw/JO/public/20190616/2018-summer/</a:t>
             </a:r>
           </a:p>
           <a:p>
@@ -3749,8 +3952,13 @@
             <a:pPr lvl="1"/>
             <a:r>
               <a:rPr lang="fr-FR" smtClean="0"/>
-              <a:t>Script : Appendix 3.1</a:t>
-            </a:r>
+              <a:t>Script : Appendix </a:t>
+            </a:r>
+            <a:r>
+              <a:rPr lang="fr-FR" smtClean="0"/>
+              <a:t>1.1</a:t>
+            </a:r>
+            <a:endParaRPr lang="fr-FR" smtClean="0"/>
           </a:p>
           <a:p>
             <a:pPr lvl="1"/>
@@ -3805,7 +4013,11 @@
           <a:p>
             <a:r>
               <a:rPr lang="fr-FR" smtClean="0"/>
-              <a:t>Appendix – 1.1</a:t>
+              <a:t>UC1 – Scripts </a:t>
+            </a:r>
+            <a:r>
+              <a:rPr lang="fr-FR" smtClean="0"/>
+              <a:t>metric tables</a:t>
             </a:r>
             <a:endParaRPr lang="fr-FR"/>
           </a:p>
@@ -3823,9 +4035,63 @@
         </p:nvSpPr>
         <p:spPr/>
         <p:txBody>
-          <a:bodyPr/>
-          <a:lstStyle/>
-          <a:p>
+          <a:bodyPr>
+            <a:normAutofit/>
+          </a:bodyPr>
+          <a:lstStyle/>
+          <a:p>
+            <a:pPr lvl="1"/>
+            <a:r>
+              <a:rPr lang="fr-FR" smtClean="0"/>
+              <a:t>On commence déjà par créer une table externe (Hive) qui pointe sur l’ensemble des données stockées en Parquet.</a:t>
+            </a:r>
+          </a:p>
+          <a:p>
+            <a:pPr lvl="1"/>
+            <a:r>
+              <a:rPr lang="fr-FR"/>
+              <a:t>Script : </a:t>
+            </a:r>
+            <a:r>
+              <a:rPr lang="fr-FR"/>
+              <a:t>Appendix </a:t>
+            </a:r>
+            <a:r>
+              <a:rPr lang="fr-FR" smtClean="0"/>
+              <a:t>1.4.1</a:t>
+            </a:r>
+            <a:endParaRPr lang="fr-FR"/>
+          </a:p>
+          <a:p>
+            <a:pPr lvl="1"/>
+            <a:endParaRPr lang="fr-FR" smtClean="0"/>
+          </a:p>
+          <a:p>
+            <a:pPr lvl="1"/>
+            <a:r>
+              <a:rPr lang="fr-FR" smtClean="0"/>
+              <a:t>Puis on va créer des tables managées (Hive) par metric </a:t>
+            </a:r>
+            <a:endParaRPr lang="fr-FR"/>
+          </a:p>
+          <a:p>
+            <a:pPr lvl="1"/>
+            <a:r>
+              <a:rPr lang="fr-FR" smtClean="0"/>
+              <a:t>Scripts </a:t>
+            </a:r>
+            <a:r>
+              <a:rPr lang="fr-FR" smtClean="0"/>
+              <a:t>: Appendix </a:t>
+            </a:r>
+            <a:r>
+              <a:rPr lang="fr-FR" smtClean="0"/>
+              <a:t>1.4.2</a:t>
+            </a:r>
+            <a:endParaRPr lang="fr-FR" smtClean="0"/>
+          </a:p>
+          <a:p>
+            <a:pPr lvl="1"/>
             <a:endParaRPr lang="fr-FR"/>
           </a:p>
         </p:txBody>
@@ -3833,7 +4099,7 @@
     </p:spTree>
     <p:extLst>
       <p:ext uri="{BB962C8B-B14F-4D97-AF65-F5344CB8AC3E}">
-        <p14:creationId xmlns:p14="http://schemas.microsoft.com/office/powerpoint/2010/main" val="1279232207"/>
+        <p14:creationId xmlns:p14="http://schemas.microsoft.com/office/powerpoint/2010/main" val="3310512699"/>
       </p:ext>
     </p:extLst>
   </p:cSld>
@@ -3877,7 +4143,7 @@
           <a:p>
             <a:r>
               <a:rPr lang="fr-FR" smtClean="0"/>
-              <a:t>Appendix – 3.1</a:t>
+              <a:t>Appendix – 1.1</a:t>
             </a:r>
             <a:endParaRPr lang="fr-FR"/>
           </a:p>
@@ -3898,53 +4164,14 @@
           <a:bodyPr/>
           <a:lstStyle/>
           <a:p>
-            <a:pPr marL="0" indent="0">
-              <a:buNone/>
-            </a:pPr>
-            <a:r>
-              <a:rPr lang="fr-FR" smtClean="0"/>
-              <a:t>Script Scala/Spark tournant via la commande </a:t>
-            </a:r>
-          </a:p>
-          <a:p>
-            <a:pPr marL="0" indent="0">
-              <a:buNone/>
-            </a:pPr>
-            <a:r>
-              <a:rPr lang="fr-FR" smtClean="0"/>
-              <a:t>spark-submit xxxxxxxx</a:t>
-            </a:r>
-          </a:p>
-          <a:p>
-            <a:pPr marL="0" indent="0">
-              <a:buNone/>
-            </a:pPr>
-            <a:endParaRPr lang="fr-FR"/>
-          </a:p>
-          <a:p>
-            <a:pPr marL="0" indent="0">
-              <a:buNone/>
-            </a:pPr>
-            <a:r>
-              <a:rPr lang="fr-FR" smtClean="0"/>
-              <a:t>Le script est lancé via la commande Oozie :</a:t>
-            </a:r>
-          </a:p>
-          <a:p>
-            <a:pPr marL="0" indent="0">
-              <a:buNone/>
-            </a:pPr>
-            <a:r>
-              <a:rPr lang="en-US" sz="1400" smtClean="0"/>
-              <a:t>oozie job --oozie http://your_host:11000/oozie -config cluster_conf.xml -run</a:t>
-            </a:r>
+            <a:endParaRPr lang="fr-FR"/>
           </a:p>
         </p:txBody>
       </p:sp>
     </p:spTree>
     <p:extLst>
       <p:ext uri="{BB962C8B-B14F-4D97-AF65-F5344CB8AC3E}">
-        <p14:creationId xmlns:p14="http://schemas.microsoft.com/office/powerpoint/2010/main" val="610204323"/>
+        <p14:creationId xmlns:p14="http://schemas.microsoft.com/office/powerpoint/2010/main" val="1279232207"/>
       </p:ext>
     </p:extLst>
   </p:cSld>

--- a/PFE-CEGEFOS-groupe2.pptx
+++ b/PFE-CEGEFOS-groupe2.pptx
@@ -252,7 +252,7 @@
           <a:p>
             <a:fld id="{38E71762-FFDE-4483-831E-480072CD70C0}" type="datetimeFigureOut">
               <a:rPr lang="fr-FR" smtClean="0"/>
-              <a:t>23/06/2019</a:t>
+              <a:t>10/07/2019</a:t>
             </a:fld>
             <a:endParaRPr lang="fr-FR"/>
           </a:p>
@@ -422,7 +422,7 @@
           <a:p>
             <a:fld id="{38E71762-FFDE-4483-831E-480072CD70C0}" type="datetimeFigureOut">
               <a:rPr lang="fr-FR" smtClean="0"/>
-              <a:t>23/06/2019</a:t>
+              <a:t>10/07/2019</a:t>
             </a:fld>
             <a:endParaRPr lang="fr-FR"/>
           </a:p>
@@ -602,7 +602,7 @@
           <a:p>
             <a:fld id="{38E71762-FFDE-4483-831E-480072CD70C0}" type="datetimeFigureOut">
               <a:rPr lang="fr-FR" smtClean="0"/>
-              <a:t>23/06/2019</a:t>
+              <a:t>10/07/2019</a:t>
             </a:fld>
             <a:endParaRPr lang="fr-FR"/>
           </a:p>
@@ -772,7 +772,7 @@
           <a:p>
             <a:fld id="{38E71762-FFDE-4483-831E-480072CD70C0}" type="datetimeFigureOut">
               <a:rPr lang="fr-FR" smtClean="0"/>
-              <a:t>23/06/2019</a:t>
+              <a:t>10/07/2019</a:t>
             </a:fld>
             <a:endParaRPr lang="fr-FR"/>
           </a:p>
@@ -1018,7 +1018,7 @@
           <a:p>
             <a:fld id="{38E71762-FFDE-4483-831E-480072CD70C0}" type="datetimeFigureOut">
               <a:rPr lang="fr-FR" smtClean="0"/>
-              <a:t>23/06/2019</a:t>
+              <a:t>10/07/2019</a:t>
             </a:fld>
             <a:endParaRPr lang="fr-FR"/>
           </a:p>
@@ -1250,7 +1250,7 @@
           <a:p>
             <a:fld id="{38E71762-FFDE-4483-831E-480072CD70C0}" type="datetimeFigureOut">
               <a:rPr lang="fr-FR" smtClean="0"/>
-              <a:t>23/06/2019</a:t>
+              <a:t>10/07/2019</a:t>
             </a:fld>
             <a:endParaRPr lang="fr-FR"/>
           </a:p>
@@ -1617,7 +1617,7 @@
           <a:p>
             <a:fld id="{38E71762-FFDE-4483-831E-480072CD70C0}" type="datetimeFigureOut">
               <a:rPr lang="fr-FR" smtClean="0"/>
-              <a:t>23/06/2019</a:t>
+              <a:t>10/07/2019</a:t>
             </a:fld>
             <a:endParaRPr lang="fr-FR"/>
           </a:p>
@@ -1735,7 +1735,7 @@
           <a:p>
             <a:fld id="{38E71762-FFDE-4483-831E-480072CD70C0}" type="datetimeFigureOut">
               <a:rPr lang="fr-FR" smtClean="0"/>
-              <a:t>23/06/2019</a:t>
+              <a:t>10/07/2019</a:t>
             </a:fld>
             <a:endParaRPr lang="fr-FR"/>
           </a:p>
@@ -1830,7 +1830,7 @@
           <a:p>
             <a:fld id="{38E71762-FFDE-4483-831E-480072CD70C0}" type="datetimeFigureOut">
               <a:rPr lang="fr-FR" smtClean="0"/>
-              <a:t>23/06/2019</a:t>
+              <a:t>10/07/2019</a:t>
             </a:fld>
             <a:endParaRPr lang="fr-FR"/>
           </a:p>
@@ -2107,7 +2107,7 @@
           <a:p>
             <a:fld id="{38E71762-FFDE-4483-831E-480072CD70C0}" type="datetimeFigureOut">
               <a:rPr lang="fr-FR" smtClean="0"/>
-              <a:t>23/06/2019</a:t>
+              <a:t>10/07/2019</a:t>
             </a:fld>
             <a:endParaRPr lang="fr-FR"/>
           </a:p>
@@ -2360,7 +2360,7 @@
           <a:p>
             <a:fld id="{38E71762-FFDE-4483-831E-480072CD70C0}" type="datetimeFigureOut">
               <a:rPr lang="fr-FR" smtClean="0"/>
-              <a:t>23/06/2019</a:t>
+              <a:t>10/07/2019</a:t>
             </a:fld>
             <a:endParaRPr lang="fr-FR"/>
           </a:p>
@@ -2573,7 +2573,7 @@
           <a:p>
             <a:fld id="{38E71762-FFDE-4483-831E-480072CD70C0}" type="datetimeFigureOut">
               <a:rPr lang="fr-FR" smtClean="0"/>
-              <a:t>23/06/2019</a:t>
+              <a:t>10/07/2019</a:t>
             </a:fld>
             <a:endParaRPr lang="fr-FR"/>
           </a:p>
@@ -3071,11 +3071,7 @@
           <a:p>
             <a:r>
               <a:rPr lang="fr-FR" smtClean="0"/>
-              <a:t>Appendix – </a:t>
-            </a:r>
-            <a:r>
-              <a:rPr lang="fr-FR" smtClean="0"/>
-              <a:t>1.1</a:t>
+              <a:t>Appendix – 1.1</a:t>
             </a:r>
             <a:endParaRPr lang="fr-FR"/>
           </a:p>
@@ -3205,7 +3201,7 @@
         <p:spPr/>
         <p:txBody>
           <a:bodyPr>
-            <a:normAutofit fontScale="47500" lnSpcReduction="20000"/>
+            <a:normAutofit fontScale="55000" lnSpcReduction="20000"/>
           </a:bodyPr>
           <a:lstStyle/>
           <a:p>
@@ -3229,7 +3225,7 @@
             </a:pPr>
             <a:r>
               <a:rPr lang="fr-FR" smtClean="0"/>
-              <a:t>/data/raw/&lt;dataname&gt;/public/&lt;version&gt;</a:t>
+              <a:t>/&lt;env&gt;/&lt;space&gt;/&lt;dataname&gt;/input/version=current</a:t>
             </a:r>
           </a:p>
           <a:p>
@@ -3237,32 +3233,27 @@
               <a:buNone/>
             </a:pPr>
             <a:r>
-              <a:rPr lang="fr-FR" smtClean="0"/>
-              <a:t>/data/raw/&lt;dataname&gt;/</a:t>
-            </a:r>
-            <a:r>
-              <a:rPr lang="fr-FR" smtClean="0"/>
-              <a:t>public/current</a:t>
-            </a:r>
-            <a:endParaRPr lang="fr-FR"/>
+              <a:rPr lang="fr-FR"/>
+              <a:t>/&lt;env&gt;/&lt;space&gt;/&lt;dataname&gt;/input/version</a:t>
+            </a:r>
+            <a:r>
+              <a:rPr lang="fr-FR" smtClean="0"/>
+              <a:t>=&lt;timestamp&gt;</a:t>
+            </a:r>
           </a:p>
           <a:p>
             <a:pPr marL="0" indent="0">
               <a:buNone/>
             </a:pPr>
             <a:r>
-              <a:rPr lang="fr-FR" smtClean="0"/>
-              <a:t>/data/raw/&lt;dataname&gt;/private/&lt;version&gt;</a:t>
-            </a:r>
-          </a:p>
-          <a:p>
-            <a:pPr marL="0" indent="0">
-              <a:buNone/>
-            </a:pPr>
-            <a:r>
-              <a:rPr lang="fr-FR" smtClean="0"/>
-              <a:t>/data/raw/&lt;dataname&gt;/private/current</a:t>
-            </a:r>
+              <a:rPr lang="fr-FR"/>
+              <a:t>/&lt;env&gt;/&lt;space&gt;/&lt;dataname</a:t>
+            </a:r>
+            <a:r>
+              <a:rPr lang="fr-FR" smtClean="0"/>
+              <a:t>&gt;/hive</a:t>
+            </a:r>
+            <a:endParaRPr lang="fr-FR"/>
           </a:p>
           <a:p>
             <a:pPr marL="0" indent="0">
@@ -3275,16 +3266,8 @@
               <a:buNone/>
             </a:pPr>
             <a:r>
-              <a:rPr lang="fr-FR"/>
-              <a:t>/</a:t>
-            </a:r>
-            <a:r>
-              <a:rPr lang="fr-FR" smtClean="0"/>
-              <a:t>data/app/&lt;</a:t>
-            </a:r>
-            <a:r>
-              <a:rPr lang="fr-FR"/>
-              <a:t>dataname&gt;/public/&lt;version&gt;</a:t>
+              <a:rPr lang="fr-FR" smtClean="0"/>
+              <a:t>Exemples :</a:t>
             </a:r>
           </a:p>
           <a:p>
@@ -3292,50 +3275,18 @@
               <a:buNone/>
             </a:pPr>
             <a:r>
-              <a:rPr lang="fr-FR"/>
-              <a:t>/</a:t>
-            </a:r>
-            <a:r>
-              <a:rPr lang="fr-FR" smtClean="0"/>
-              <a:t>data/app/&lt;</a:t>
-            </a:r>
-            <a:r>
-              <a:rPr lang="fr-FR"/>
-              <a:t>dataname&gt;/public/current</a:t>
-            </a:r>
+              <a:rPr lang="fr-FR" smtClean="0"/>
+              <a:t>/dev/raw/JO/input/version=current</a:t>
+            </a:r>
+            <a:endParaRPr lang="fr-FR"/>
           </a:p>
           <a:p>
             <a:pPr marL="0" indent="0">
               <a:buNone/>
             </a:pPr>
             <a:r>
-              <a:rPr lang="fr-FR"/>
-              <a:t>/</a:t>
-            </a:r>
-            <a:r>
-              <a:rPr lang="fr-FR" smtClean="0"/>
-              <a:t>data/app/&lt;</a:t>
-            </a:r>
-            <a:r>
-              <a:rPr lang="fr-FR"/>
-              <a:t>dataname&gt;/private/&lt;version&gt;</a:t>
-            </a:r>
-          </a:p>
-          <a:p>
-            <a:pPr marL="0" indent="0">
-              <a:buNone/>
-            </a:pPr>
-            <a:r>
-              <a:rPr lang="fr-FR"/>
-              <a:t>/</a:t>
-            </a:r>
-            <a:r>
-              <a:rPr lang="fr-FR" smtClean="0"/>
-              <a:t>data/app/&lt;</a:t>
-            </a:r>
-            <a:r>
-              <a:rPr lang="fr-FR"/>
-              <a:t>dataname&gt;/private/current</a:t>
+              <a:rPr lang="fr-FR" smtClean="0"/>
+              <a:t>/prd/lake/JO/version=20190709225712</a:t>
             </a:r>
           </a:p>
           <a:p>
@@ -3350,7 +3301,7 @@
             </a:pPr>
             <a:r>
               <a:rPr lang="fr-FR" smtClean="0"/>
-              <a:t>/project/&lt;projectname&gt;/bin</a:t>
+              <a:t>/&lt;env&gt;/&lt;appname&gt;/&lt;projectname&gt;/bin</a:t>
             </a:r>
           </a:p>
           <a:p>
@@ -3358,8 +3309,20 @@
               <a:buNone/>
             </a:pPr>
             <a:r>
-              <a:rPr lang="fr-FR" smtClean="0"/>
-              <a:t>/project/&lt;projectname&gt;/conf</a:t>
+              <a:rPr lang="fr-FR"/>
+              <a:t>/&lt;env</a:t>
+            </a:r>
+            <a:r>
+              <a:rPr lang="fr-FR" smtClean="0"/>
+              <a:t>&gt;/&lt;appname&gt;/&lt;</a:t>
+            </a:r>
+            <a:r>
+              <a:rPr lang="fr-FR"/>
+              <a:t>projectname</a:t>
+            </a:r>
+            <a:r>
+              <a:rPr lang="fr-FR" smtClean="0"/>
+              <a:t>&gt;/data</a:t>
             </a:r>
           </a:p>
           <a:p>
@@ -3368,7 +3331,7 @@
             </a:pPr>
             <a:r>
               <a:rPr lang="fr-FR" smtClean="0"/>
-              <a:t>/project/&lt;projectname&gt;/logs</a:t>
+              <a:t>Exemple :</a:t>
             </a:r>
           </a:p>
           <a:p>
@@ -3377,7 +3340,7 @@
             </a:pPr>
             <a:r>
               <a:rPr lang="fr-FR" smtClean="0"/>
-              <a:t>/project/&lt;projectname&gt;/tmp</a:t>
+              <a:t>/dev/JO/bin</a:t>
             </a:r>
             <a:endParaRPr lang="fr-FR"/>
           </a:p>
@@ -3561,15 +3524,7 @@
             </a:pPr>
             <a:r>
               <a:rPr lang="fr-FR" smtClean="0"/>
-              <a:t>Les types de fichiers </a:t>
-            </a:r>
-            <a:r>
-              <a:rPr lang="fr-FR" smtClean="0"/>
-              <a:t>de données qui </a:t>
-            </a:r>
-            <a:r>
-              <a:rPr lang="fr-FR" smtClean="0"/>
-              <a:t>seront utilisés ici seront principalement :</a:t>
+              <a:t>Les types de fichiers de données qui seront utilisés ici seront principalement :</a:t>
             </a:r>
           </a:p>
           <a:p>
@@ -3798,13 +3753,8 @@
             </a:r>
             <a:r>
               <a:rPr lang="fr-FR" smtClean="0"/>
-              <a:t>- </a:t>
-            </a:r>
-            <a:r>
-              <a:rPr lang="fr-FR" smtClean="0"/>
-              <a:t>Scala/Spark</a:t>
-            </a:r>
-            <a:endParaRPr lang="fr-FR" smtClean="0"/>
+              <a:t>- Scala/Spark</a:t>
+            </a:r>
           </a:p>
           <a:p>
             <a:pPr marL="0" indent="0">
@@ -3817,6 +3767,15 @@
             <a:r>
               <a:rPr lang="fr-FR" smtClean="0"/>
               <a:t>- HDFS</a:t>
+            </a:r>
+          </a:p>
+          <a:p>
+            <a:pPr marL="0" indent="0">
+              <a:buNone/>
+            </a:pPr>
+            <a:r>
+              <a:rPr lang="fr-FR" smtClean="0"/>
+              <a:t> - Script shell</a:t>
             </a:r>
             <a:endParaRPr lang="fr-FR"/>
           </a:p>
@@ -3888,81 +3847,184 @@
         <p:spPr/>
         <p:txBody>
           <a:bodyPr>
-            <a:normAutofit lnSpcReduction="10000"/>
+            <a:normAutofit fontScale="92500"/>
           </a:bodyPr>
           <a:lstStyle/>
           <a:p>
             <a:r>
-              <a:rPr lang="fr-FR" smtClean="0"/>
+              <a:rPr lang="fr-FR" dirty="0" smtClean="0"/>
               <a:t>Ici nous utilisons la techno </a:t>
             </a:r>
             <a:r>
-              <a:rPr lang="fr-FR" smtClean="0">
+              <a:rPr lang="fr-FR" dirty="0" smtClean="0">
                 <a:solidFill>
                   <a:schemeClr val="accent1"/>
                 </a:solidFill>
               </a:rPr>
-              <a:t>Spark/Scala</a:t>
-            </a:r>
-            <a:r>
-              <a:rPr lang="fr-FR" smtClean="0"/>
-              <a:t> pour ingérer nos données.</a:t>
+              <a:t>Scala/</a:t>
+            </a:r>
+            <a:r>
+              <a:rPr lang="fr-FR" dirty="0" err="1" smtClean="0">
+                <a:solidFill>
+                  <a:schemeClr val="accent1"/>
+                </a:solidFill>
+              </a:rPr>
+              <a:t>Spark</a:t>
+            </a:r>
+            <a:r>
+              <a:rPr lang="fr-FR" dirty="0" smtClean="0">
+                <a:solidFill>
+                  <a:schemeClr val="accent1"/>
+                </a:solidFill>
+              </a:rPr>
+              <a:t> </a:t>
+            </a:r>
+            <a:r>
+              <a:rPr lang="fr-FR" dirty="0" smtClean="0"/>
+              <a:t>pour ingérer nos données.</a:t>
             </a:r>
           </a:p>
           <a:p>
             <a:pPr lvl="1"/>
             <a:r>
-              <a:rPr lang="fr-FR" smtClean="0"/>
+              <a:rPr lang="fr-FR" dirty="0" smtClean="0"/>
               <a:t>Les fichiers à ingérer se trouvent à un emplacement accessible depuis notre cluster.</a:t>
             </a:r>
           </a:p>
           <a:p>
             <a:pPr lvl="1"/>
             <a:r>
-              <a:rPr lang="fr-FR" smtClean="0"/>
-              <a:t>Les fichiers sont déjà prédécoupés en « jo-&lt;year&gt;-&lt;season&gt; »</a:t>
+              <a:rPr lang="fr-FR" dirty="0" smtClean="0"/>
+              <a:t>Les fichiers sont déjà prédécoupés en « &lt;</a:t>
+            </a:r>
+            <a:r>
+              <a:rPr lang="fr-FR" dirty="0" err="1" smtClean="0"/>
+              <a:t>year</a:t>
+            </a:r>
+            <a:r>
+              <a:rPr lang="fr-FR" dirty="0" smtClean="0"/>
+              <a:t>&gt;-&lt;</a:t>
+            </a:r>
+            <a:r>
+              <a:rPr lang="fr-FR" dirty="0" err="1" smtClean="0"/>
+              <a:t>season</a:t>
+            </a:r>
+            <a:r>
+              <a:rPr lang="fr-FR" dirty="0" smtClean="0"/>
+              <a:t>&gt; »</a:t>
             </a:r>
           </a:p>
           <a:p>
             <a:pPr lvl="1"/>
             <a:r>
-              <a:rPr lang="fr-FR" smtClean="0"/>
-              <a:t>Chaque fois que l’année/saison est trouvé dans le repertoire source, il sera versionné dans l’espace &lt;raw&gt; du datalake et de nouveau ingéré. Nous supposerons ici que de nouvelles modifications ont alors été apporté aux données de l’année/saison.</a:t>
+              <a:rPr lang="fr-FR" dirty="0" smtClean="0"/>
+              <a:t>Chaque fois que l’année/saison est trouvé dans le répertoire source, il sera </a:t>
+            </a:r>
+            <a:r>
+              <a:rPr lang="fr-FR" dirty="0" err="1" smtClean="0"/>
+              <a:t>versionné</a:t>
+            </a:r>
+            <a:r>
+              <a:rPr lang="fr-FR" dirty="0" smtClean="0"/>
+              <a:t> dans l’espace &lt;</a:t>
+            </a:r>
+            <a:r>
+              <a:rPr lang="fr-FR" dirty="0" err="1" smtClean="0"/>
+              <a:t>raw</a:t>
+            </a:r>
+            <a:r>
+              <a:rPr lang="fr-FR" dirty="0" smtClean="0"/>
+              <a:t>&gt; du </a:t>
+            </a:r>
+            <a:r>
+              <a:rPr lang="fr-FR" dirty="0" err="1" smtClean="0"/>
+              <a:t>datalake</a:t>
+            </a:r>
+            <a:r>
+              <a:rPr lang="fr-FR" dirty="0" smtClean="0"/>
+              <a:t> et de nouveau ingéré. Nous supposerons ici que de nouvelles modifications ont alors été apporté aux données de l’année/saison.</a:t>
             </a:r>
           </a:p>
           <a:p>
             <a:pPr lvl="1"/>
             <a:r>
-              <a:rPr lang="fr-FR" smtClean="0"/>
-              <a:t>Le chemin de stockage sera : /data/raw/JO/public/current/2018-summer/</a:t>
+              <a:rPr lang="fr-FR" dirty="0" smtClean="0"/>
+              <a:t>Un chemin de stockage sera : /</a:t>
+            </a:r>
+            <a:r>
+              <a:rPr lang="fr-FR" dirty="0" err="1" smtClean="0"/>
+              <a:t>dev</a:t>
+            </a:r>
+            <a:r>
+              <a:rPr lang="fr-FR" dirty="0" smtClean="0"/>
+              <a:t>/</a:t>
+            </a:r>
+            <a:r>
+              <a:rPr lang="fr-FR" dirty="0" err="1" smtClean="0"/>
+              <a:t>raw</a:t>
+            </a:r>
+            <a:r>
+              <a:rPr lang="fr-FR" dirty="0" smtClean="0"/>
+              <a:t>/JO/data/version=</a:t>
+            </a:r>
+            <a:r>
+              <a:rPr lang="fr-FR" dirty="0" err="1" smtClean="0"/>
+              <a:t>current</a:t>
+            </a:r>
+            <a:r>
+              <a:rPr lang="fr-FR" dirty="0" smtClean="0"/>
+              <a:t>/2018-summer</a:t>
+            </a:r>
+            <a:r>
+              <a:rPr lang="fr-FR" dirty="0" smtClean="0"/>
+              <a:t>/</a:t>
             </a:r>
           </a:p>
           <a:p>
             <a:pPr lvl="1"/>
             <a:r>
-              <a:rPr lang="fr-FR" smtClean="0"/>
-              <a:t>Une version pourrait être : /data/raw/JO/public/20190616/2018-summer/</a:t>
+              <a:rPr lang="fr-FR" dirty="0" smtClean="0"/>
+              <a:t>Une version pourrait être : /</a:t>
+            </a:r>
+            <a:r>
+              <a:rPr lang="fr-FR" dirty="0" smtClean="0"/>
+              <a:t>data/</a:t>
+            </a:r>
+            <a:r>
+              <a:rPr lang="fr-FR" dirty="0" err="1" smtClean="0"/>
+              <a:t>raw</a:t>
+            </a:r>
+            <a:r>
+              <a:rPr lang="fr-FR" smtClean="0"/>
+              <a:t>/JO/data/version=20190709232905/2018-summer</a:t>
+            </a:r>
+            <a:r>
+              <a:rPr lang="fr-FR" dirty="0" smtClean="0"/>
+              <a:t>/</a:t>
             </a:r>
           </a:p>
           <a:p>
             <a:pPr lvl="1"/>
-            <a:endParaRPr lang="fr-FR"/>
+            <a:endParaRPr lang="fr-FR" dirty="0"/>
           </a:p>
           <a:p>
             <a:pPr lvl="1"/>
             <a:r>
-              <a:rPr lang="fr-FR" smtClean="0"/>
-              <a:t>Script : Appendix </a:t>
-            </a:r>
-            <a:r>
-              <a:rPr lang="fr-FR" smtClean="0"/>
-              <a:t>1.1</a:t>
-            </a:r>
-            <a:endParaRPr lang="fr-FR" smtClean="0"/>
+              <a:rPr lang="fr-FR" dirty="0" smtClean="0"/>
+              <a:t>Script : </a:t>
+            </a:r>
+            <a:r>
+              <a:rPr lang="fr-FR" dirty="0" err="1" smtClean="0"/>
+              <a:t>Appendix</a:t>
+            </a:r>
+            <a:r>
+              <a:rPr lang="fr-FR" dirty="0" smtClean="0"/>
+              <a:t> 1.1</a:t>
+            </a:r>
           </a:p>
           <a:p>
             <a:pPr lvl="1"/>
-            <a:endParaRPr lang="fr-FR"/>
+            <a:endParaRPr lang="fr-FR" dirty="0"/>
           </a:p>
         </p:txBody>
       </p:sp>
@@ -4013,11 +4075,7 @@
           <a:p>
             <a:r>
               <a:rPr lang="fr-FR" smtClean="0"/>
-              <a:t>UC1 – Scripts </a:t>
-            </a:r>
-            <a:r>
-              <a:rPr lang="fr-FR" smtClean="0"/>
-              <a:t>metric tables</a:t>
+              <a:t>UC1 – Scripts metric tables</a:t>
             </a:r>
             <a:endParaRPr lang="fr-FR"/>
           </a:p>
@@ -4050,11 +4108,7 @@
             <a:pPr lvl="1"/>
             <a:r>
               <a:rPr lang="fr-FR"/>
-              <a:t>Script : </a:t>
-            </a:r>
-            <a:r>
-              <a:rPr lang="fr-FR"/>
-              <a:t>Appendix </a:t>
+              <a:t>Script : Appendix </a:t>
             </a:r>
             <a:r>
               <a:rPr lang="fr-FR" smtClean="0"/>
@@ -4078,17 +4132,8 @@
             <a:pPr lvl="1"/>
             <a:r>
               <a:rPr lang="fr-FR" smtClean="0"/>
-              <a:t>Scripts </a:t>
-            </a:r>
-            <a:r>
-              <a:rPr lang="fr-FR" smtClean="0"/>
-              <a:t>: Appendix </a:t>
-            </a:r>
-            <a:r>
-              <a:rPr lang="fr-FR" smtClean="0"/>
-              <a:t>1.4.2</a:t>
-            </a:r>
-            <a:endParaRPr lang="fr-FR" smtClean="0"/>
+              <a:t>Scripts : Appendix 1.4.2</a:t>
+            </a:r>
           </a:p>
           <a:p>
             <a:pPr lvl="1"/>
